--- a/haungxg.study2/文件管理系统（阶段二习题）分析报告.pptx
+++ b/haungxg.study2/文件管理系统（阶段二习题）分析报告.pptx
@@ -109,6 +109,11 @@
       </a:defRPr>
     </a:lvl9pPr>
   </p:defaultTextStyle>
+  <p:extLst>
+    <p:ext uri="{EFAFB233-063F-42B5-8137-9DF3F51BA10A}">
+      <p15:sldGuideLst xmlns:p15="http://schemas.microsoft.com/office/powerpoint/2012/main"/>
+    </p:ext>
+  </p:extLst>
 </p:presentation>
 </file>
 
@@ -243,7 +248,7 @@
           <a:p>
             <a:fld id="{3AFE8CB4-E3EE-41D3-9C98-BCAE412F1952}" type="datetimeFigureOut">
               <a:rPr lang="zh-CN" altLang="en-US" smtClean="0"/>
-              <a:t>2017/6/29</a:t>
+              <a:t>2017/7/1</a:t>
             </a:fld>
             <a:endParaRPr lang="zh-CN" altLang="en-US"/>
           </a:p>
@@ -413,7 +418,7 @@
           <a:p>
             <a:fld id="{3AFE8CB4-E3EE-41D3-9C98-BCAE412F1952}" type="datetimeFigureOut">
               <a:rPr lang="zh-CN" altLang="en-US" smtClean="0"/>
-              <a:t>2017/6/29</a:t>
+              <a:t>2017/7/1</a:t>
             </a:fld>
             <a:endParaRPr lang="zh-CN" altLang="en-US"/>
           </a:p>
@@ -593,7 +598,7 @@
           <a:p>
             <a:fld id="{3AFE8CB4-E3EE-41D3-9C98-BCAE412F1952}" type="datetimeFigureOut">
               <a:rPr lang="zh-CN" altLang="en-US" smtClean="0"/>
-              <a:t>2017/6/29</a:t>
+              <a:t>2017/7/1</a:t>
             </a:fld>
             <a:endParaRPr lang="zh-CN" altLang="en-US"/>
           </a:p>
@@ -763,7 +768,7 @@
           <a:p>
             <a:fld id="{3AFE8CB4-E3EE-41D3-9C98-BCAE412F1952}" type="datetimeFigureOut">
               <a:rPr lang="zh-CN" altLang="en-US" smtClean="0"/>
-              <a:t>2017/6/29</a:t>
+              <a:t>2017/7/1</a:t>
             </a:fld>
             <a:endParaRPr lang="zh-CN" altLang="en-US"/>
           </a:p>
@@ -1009,7 +1014,7 @@
           <a:p>
             <a:fld id="{3AFE8CB4-E3EE-41D3-9C98-BCAE412F1952}" type="datetimeFigureOut">
               <a:rPr lang="zh-CN" altLang="en-US" smtClean="0"/>
-              <a:t>2017/6/29</a:t>
+              <a:t>2017/7/1</a:t>
             </a:fld>
             <a:endParaRPr lang="zh-CN" altLang="en-US"/>
           </a:p>
@@ -1241,7 +1246,7 @@
           <a:p>
             <a:fld id="{3AFE8CB4-E3EE-41D3-9C98-BCAE412F1952}" type="datetimeFigureOut">
               <a:rPr lang="zh-CN" altLang="en-US" smtClean="0"/>
-              <a:t>2017/6/29</a:t>
+              <a:t>2017/7/1</a:t>
             </a:fld>
             <a:endParaRPr lang="zh-CN" altLang="en-US"/>
           </a:p>
@@ -1608,7 +1613,7 @@
           <a:p>
             <a:fld id="{3AFE8CB4-E3EE-41D3-9C98-BCAE412F1952}" type="datetimeFigureOut">
               <a:rPr lang="zh-CN" altLang="en-US" smtClean="0"/>
-              <a:t>2017/6/29</a:t>
+              <a:t>2017/7/1</a:t>
             </a:fld>
             <a:endParaRPr lang="zh-CN" altLang="en-US"/>
           </a:p>
@@ -1726,7 +1731,7 @@
           <a:p>
             <a:fld id="{3AFE8CB4-E3EE-41D3-9C98-BCAE412F1952}" type="datetimeFigureOut">
               <a:rPr lang="zh-CN" altLang="en-US" smtClean="0"/>
-              <a:t>2017/6/29</a:t>
+              <a:t>2017/7/1</a:t>
             </a:fld>
             <a:endParaRPr lang="zh-CN" altLang="en-US"/>
           </a:p>
@@ -1821,7 +1826,7 @@
           <a:p>
             <a:fld id="{3AFE8CB4-E3EE-41D3-9C98-BCAE412F1952}" type="datetimeFigureOut">
               <a:rPr lang="zh-CN" altLang="en-US" smtClean="0"/>
-              <a:t>2017/6/29</a:t>
+              <a:t>2017/7/1</a:t>
             </a:fld>
             <a:endParaRPr lang="zh-CN" altLang="en-US"/>
           </a:p>
@@ -2098,7 +2103,7 @@
           <a:p>
             <a:fld id="{3AFE8CB4-E3EE-41D3-9C98-BCAE412F1952}" type="datetimeFigureOut">
               <a:rPr lang="zh-CN" altLang="en-US" smtClean="0"/>
-              <a:t>2017/6/29</a:t>
+              <a:t>2017/7/1</a:t>
             </a:fld>
             <a:endParaRPr lang="zh-CN" altLang="en-US"/>
           </a:p>
@@ -2351,7 +2356,7 @@
           <a:p>
             <a:fld id="{3AFE8CB4-E3EE-41D3-9C98-BCAE412F1952}" type="datetimeFigureOut">
               <a:rPr lang="zh-CN" altLang="en-US" smtClean="0"/>
-              <a:t>2017/6/29</a:t>
+              <a:t>2017/7/1</a:t>
             </a:fld>
             <a:endParaRPr lang="zh-CN" altLang="en-US"/>
           </a:p>
@@ -2564,7 +2569,7 @@
           <a:p>
             <a:fld id="{3AFE8CB4-E3EE-41D3-9C98-BCAE412F1952}" type="datetimeFigureOut">
               <a:rPr lang="zh-CN" altLang="en-US" smtClean="0"/>
-              <a:t>2017/6/29</a:t>
+              <a:t>2017/7/1</a:t>
             </a:fld>
             <a:endParaRPr lang="zh-CN" altLang="en-US"/>
           </a:p>
@@ -3366,76 +3371,43 @@
       </p:grpSpPr>
       <p:sp>
         <p:nvSpPr>
-          <p:cNvPr id="4" name="矩形 3"/>
+          <p:cNvPr id="96" name="内容占位符 95"/>
+          <p:cNvSpPr>
+            <a:spLocks noGrp="1"/>
+          </p:cNvSpPr>
+          <p:nvPr>
+            <p:ph idx="1"/>
+          </p:nvPr>
+        </p:nvSpPr>
+        <p:spPr>
+          <a:xfrm>
+            <a:off x="581114" y="247828"/>
+            <a:ext cx="10772686" cy="5929135"/>
+          </a:xfrm>
+        </p:spPr>
+        <p:txBody>
+          <a:bodyPr/>
+          <a:lstStyle/>
+          <a:p>
+            <a:pPr marL="0" indent="0">
+              <a:buNone/>
+            </a:pPr>
+            <a:endParaRPr lang="zh-CN" altLang="en-US" dirty="0"/>
+          </a:p>
+        </p:txBody>
+      </p:sp>
+      <p:sp>
+        <p:nvSpPr>
+          <p:cNvPr id="97" name="矩形 96"/>
           <p:cNvSpPr/>
           <p:nvPr/>
         </p:nvSpPr>
         <p:spPr>
           <a:xfrm>
-            <a:off x="2008261" y="2657744"/>
-            <a:ext cx="1042587" cy="427290"/>
+            <a:off x="4835495" y="572569"/>
+            <a:ext cx="2521009" cy="504202"/>
           </a:xfrm>
           <a:prstGeom prst="rect">
-            <a:avLst/>
-          </a:prstGeom>
-        </p:spPr>
-        <p:style>
-          <a:lnRef idx="2">
-            <a:schemeClr val="accent4">
-              <a:shade val="50000"/>
-            </a:schemeClr>
-          </a:lnRef>
-          <a:fillRef idx="1">
-            <a:schemeClr val="accent4"/>
-          </a:fillRef>
-          <a:effectRef idx="0">
-            <a:schemeClr val="accent4"/>
-          </a:effectRef>
-          <a:fontRef idx="minor">
-            <a:schemeClr val="lt1"/>
-          </a:fontRef>
-        </p:style>
-        <p:txBody>
-          <a:bodyPr rtlCol="0" anchor="ctr"/>
-          <a:lstStyle/>
-          <a:p>
-            <a:pPr algn="ctr"/>
-            <a:r>
-              <a:rPr lang="zh-CN" altLang="en-US" dirty="0" smtClean="0">
-                <a:effectLst>
-                  <a:outerShdw blurRad="50800" dist="38100" dir="18900000" algn="bl" rotWithShape="0">
-                    <a:prstClr val="black">
-                      <a:alpha val="40000"/>
-                    </a:prstClr>
-                  </a:outerShdw>
-                </a:effectLst>
-              </a:rPr>
-              <a:t>前端</a:t>
-            </a:r>
-            <a:endParaRPr lang="zh-CN" altLang="en-US" dirty="0">
-              <a:effectLst>
-                <a:outerShdw blurRad="50800" dist="38100" dir="18900000" algn="bl" rotWithShape="0">
-                  <a:prstClr val="black">
-                    <a:alpha val="40000"/>
-                  </a:prstClr>
-                </a:outerShdw>
-              </a:effectLst>
-            </a:endParaRPr>
-          </a:p>
-        </p:txBody>
-      </p:sp>
-      <p:sp>
-        <p:nvSpPr>
-          <p:cNvPr id="5" name="椭圆 4"/>
-          <p:cNvSpPr/>
-          <p:nvPr/>
-        </p:nvSpPr>
-        <p:spPr>
-          <a:xfrm>
-            <a:off x="3879792" y="1046151"/>
-            <a:ext cx="1384417" cy="671554"/>
-          </a:xfrm>
-          <a:prstGeom prst="ellipse">
             <a:avLst/>
           </a:prstGeom>
         </p:spPr>
@@ -3462,7 +3434,7 @@
             <a:pPr algn="ctr"/>
             <a:r>
               <a:rPr lang="zh-CN" altLang="en-US" dirty="0" smtClean="0"/>
-              <a:t>文件排序</a:t>
+              <a:t>文件管理系统</a:t>
             </a:r>
             <a:endParaRPr lang="zh-CN" altLang="en-US" dirty="0"/>
           </a:p>
@@ -3470,16 +3442,16 @@
       </p:sp>
       <p:sp>
         <p:nvSpPr>
-          <p:cNvPr id="7" name="椭圆 6"/>
+          <p:cNvPr id="98" name="矩形 97"/>
           <p:cNvSpPr/>
           <p:nvPr/>
         </p:nvSpPr>
         <p:spPr>
           <a:xfrm>
-            <a:off x="3879790" y="3423907"/>
-            <a:ext cx="1384418" cy="618254"/>
-          </a:xfrm>
-          <a:prstGeom prst="ellipse">
+            <a:off x="3132999" y="2156773"/>
+            <a:ext cx="1555334" cy="478564"/>
+          </a:xfrm>
+          <a:prstGeom prst="rect">
             <a:avLst/>
           </a:prstGeom>
         </p:spPr>
@@ -3505,8 +3477,12 @@
           <a:p>
             <a:pPr algn="ctr"/>
             <a:r>
+              <a:rPr lang="zh-CN" altLang="en-US" dirty="0"/>
+              <a:t>客户端</a:t>
+            </a:r>
+            <a:r>
               <a:rPr lang="zh-CN" altLang="en-US" dirty="0" smtClean="0"/>
-              <a:t>增删改</a:t>
+              <a:t>端</a:t>
             </a:r>
             <a:endParaRPr lang="zh-CN" altLang="en-US" dirty="0"/>
           </a:p>
@@ -3514,16 +3490,16 @@
       </p:sp>
       <p:sp>
         <p:nvSpPr>
-          <p:cNvPr id="8" name="椭圆 7"/>
+          <p:cNvPr id="99" name="矩形 98"/>
           <p:cNvSpPr/>
           <p:nvPr/>
         </p:nvSpPr>
         <p:spPr>
           <a:xfrm>
-            <a:off x="3879792" y="2157817"/>
-            <a:ext cx="1384417" cy="628772"/>
-          </a:xfrm>
-          <a:prstGeom prst="ellipse">
+            <a:off x="7478837" y="2168551"/>
+            <a:ext cx="1555334" cy="478564"/>
+          </a:xfrm>
+          <a:prstGeom prst="rect">
             <a:avLst/>
           </a:prstGeom>
         </p:spPr>
@@ -3550,51 +3526,7 @@
             <a:pPr algn="ctr"/>
             <a:r>
               <a:rPr lang="zh-CN" altLang="en-US" dirty="0" smtClean="0"/>
-              <a:t>文件查找</a:t>
-            </a:r>
-            <a:endParaRPr lang="zh-CN" altLang="en-US" dirty="0"/>
-          </a:p>
-        </p:txBody>
-      </p:sp>
-      <p:sp>
-        <p:nvSpPr>
-          <p:cNvPr id="9" name="椭圆 8"/>
-          <p:cNvSpPr/>
-          <p:nvPr/>
-        </p:nvSpPr>
-        <p:spPr>
-          <a:xfrm>
-            <a:off x="3879790" y="4428693"/>
-            <a:ext cx="1384419" cy="587688"/>
-          </a:xfrm>
-          <a:prstGeom prst="ellipse">
-            <a:avLst/>
-          </a:prstGeom>
-        </p:spPr>
-        <p:style>
-          <a:lnRef idx="2">
-            <a:schemeClr val="accent1">
-              <a:shade val="50000"/>
-            </a:schemeClr>
-          </a:lnRef>
-          <a:fillRef idx="1">
-            <a:schemeClr val="accent1"/>
-          </a:fillRef>
-          <a:effectRef idx="0">
-            <a:schemeClr val="accent1"/>
-          </a:effectRef>
-          <a:fontRef idx="minor">
-            <a:schemeClr val="lt1"/>
-          </a:fontRef>
-        </p:style>
-        <p:txBody>
-          <a:bodyPr rtlCol="0" anchor="ctr"/>
-          <a:lstStyle/>
-          <a:p>
-            <a:pPr algn="ctr"/>
-            <a:r>
-              <a:rPr lang="zh-CN" altLang="en-US" dirty="0" smtClean="0"/>
-              <a:t>下载</a:t>
+              <a:t>服务器端</a:t>
             </a:r>
             <a:endParaRPr lang="zh-CN" altLang="en-US" dirty="0"/>
           </a:p>
@@ -3602,18 +3534,23 @@
       </p:sp>
       <p:cxnSp>
         <p:nvCxnSpPr>
-          <p:cNvPr id="11" name="直接连接符 10"/>
+          <p:cNvPr id="101" name="肘形连接符 100"/>
           <p:cNvCxnSpPr/>
           <p:nvPr/>
         </p:nvCxnSpPr>
         <p:spPr>
-          <a:xfrm flipV="1">
-            <a:off x="3050847" y="1455486"/>
-            <a:ext cx="828944" cy="1404662"/>
-          </a:xfrm>
-          <a:prstGeom prst="line">
-            <a:avLst/>
+          <a:xfrm rot="5400000">
+            <a:off x="4476000" y="536773"/>
+            <a:ext cx="1080000" cy="2160000"/>
+          </a:xfrm>
+          <a:prstGeom prst="bentConnector3">
+            <a:avLst>
+              <a:gd name="adj1" fmla="val 50000"/>
+            </a:avLst>
           </a:prstGeom>
+          <a:ln>
+            <a:tailEnd type="triangle"/>
+          </a:ln>
         </p:spPr>
         <p:style>
           <a:lnRef idx="1">
@@ -3632,21 +3569,496 @@
       </p:cxnSp>
       <p:cxnSp>
         <p:nvCxnSpPr>
-          <p:cNvPr id="13" name="直接连接符 12"/>
-          <p:cNvCxnSpPr>
-            <a:stCxn id="4" idx="3"/>
-            <a:endCxn id="8" idx="2"/>
-          </p:cNvCxnSpPr>
+          <p:cNvPr id="105" name="肘形连接符 104"/>
+          <p:cNvCxnSpPr/>
           <p:nvPr/>
         </p:nvCxnSpPr>
         <p:spPr>
-          <a:xfrm flipV="1">
-            <a:off x="3050848" y="2472203"/>
-            <a:ext cx="828944" cy="399186"/>
-          </a:xfrm>
-          <a:prstGeom prst="line">
+          <a:xfrm rot="16200000" flipH="1">
+            <a:off x="6636504" y="536773"/>
+            <a:ext cx="1080000" cy="2160000"/>
+          </a:xfrm>
+          <a:prstGeom prst="bentConnector3">
             <a:avLst/>
           </a:prstGeom>
+          <a:ln>
+            <a:tailEnd type="triangle"/>
+          </a:ln>
+        </p:spPr>
+        <p:style>
+          <a:lnRef idx="1">
+            <a:schemeClr val="accent1"/>
+          </a:lnRef>
+          <a:fillRef idx="0">
+            <a:schemeClr val="accent1"/>
+          </a:fillRef>
+          <a:effectRef idx="0">
+            <a:schemeClr val="accent1"/>
+          </a:effectRef>
+          <a:fontRef idx="minor">
+            <a:schemeClr val="tx1"/>
+          </a:fontRef>
+        </p:style>
+      </p:cxnSp>
+      <p:sp>
+        <p:nvSpPr>
+          <p:cNvPr id="108" name="矩形 107"/>
+          <p:cNvSpPr/>
+          <p:nvPr/>
+        </p:nvSpPr>
+        <p:spPr>
+          <a:xfrm>
+            <a:off x="1728624" y="3621992"/>
+            <a:ext cx="435836" cy="1589517"/>
+          </a:xfrm>
+          <a:prstGeom prst="rect">
+            <a:avLst/>
+          </a:prstGeom>
+        </p:spPr>
+        <p:style>
+          <a:lnRef idx="2">
+            <a:schemeClr val="accent1">
+              <a:shade val="50000"/>
+            </a:schemeClr>
+          </a:lnRef>
+          <a:fillRef idx="1">
+            <a:schemeClr val="accent1"/>
+          </a:fillRef>
+          <a:effectRef idx="0">
+            <a:schemeClr val="accent1"/>
+          </a:effectRef>
+          <a:fontRef idx="minor">
+            <a:schemeClr val="lt1"/>
+          </a:fontRef>
+        </p:style>
+        <p:txBody>
+          <a:bodyPr rtlCol="0" anchor="ctr"/>
+          <a:lstStyle/>
+          <a:p>
+            <a:pPr algn="ctr"/>
+            <a:r>
+              <a:rPr lang="zh-CN" altLang="en-US" dirty="0" smtClean="0"/>
+              <a:t>文件名排序</a:t>
+            </a:r>
+            <a:endParaRPr lang="zh-CN" altLang="en-US" dirty="0"/>
+          </a:p>
+        </p:txBody>
+      </p:sp>
+      <p:sp>
+        <p:nvSpPr>
+          <p:cNvPr id="110" name="矩形 109"/>
+          <p:cNvSpPr/>
+          <p:nvPr/>
+        </p:nvSpPr>
+        <p:spPr>
+          <a:xfrm>
+            <a:off x="2697163" y="3611390"/>
+            <a:ext cx="435836" cy="1589517"/>
+          </a:xfrm>
+          <a:prstGeom prst="rect">
+            <a:avLst/>
+          </a:prstGeom>
+        </p:spPr>
+        <p:style>
+          <a:lnRef idx="2">
+            <a:schemeClr val="accent1">
+              <a:shade val="50000"/>
+            </a:schemeClr>
+          </a:lnRef>
+          <a:fillRef idx="1">
+            <a:schemeClr val="accent1"/>
+          </a:fillRef>
+          <a:effectRef idx="0">
+            <a:schemeClr val="accent1"/>
+          </a:effectRef>
+          <a:fontRef idx="minor">
+            <a:schemeClr val="lt1"/>
+          </a:fontRef>
+        </p:style>
+        <p:txBody>
+          <a:bodyPr rtlCol="0" anchor="ctr"/>
+          <a:lstStyle/>
+          <a:p>
+            <a:pPr algn="ctr"/>
+            <a:r>
+              <a:rPr lang="zh-CN" altLang="en-US" dirty="0" smtClean="0"/>
+              <a:t>文件查找</a:t>
+            </a:r>
+            <a:endParaRPr lang="zh-CN" altLang="en-US" dirty="0"/>
+          </a:p>
+        </p:txBody>
+      </p:sp>
+      <p:sp>
+        <p:nvSpPr>
+          <p:cNvPr id="111" name="矩形 110"/>
+          <p:cNvSpPr/>
+          <p:nvPr/>
+        </p:nvSpPr>
+        <p:spPr>
+          <a:xfrm>
+            <a:off x="3671803" y="3611390"/>
+            <a:ext cx="435836" cy="1589517"/>
+          </a:xfrm>
+          <a:prstGeom prst="rect">
+            <a:avLst/>
+          </a:prstGeom>
+        </p:spPr>
+        <p:style>
+          <a:lnRef idx="2">
+            <a:schemeClr val="accent1">
+              <a:shade val="50000"/>
+            </a:schemeClr>
+          </a:lnRef>
+          <a:fillRef idx="1">
+            <a:schemeClr val="accent1"/>
+          </a:fillRef>
+          <a:effectRef idx="0">
+            <a:schemeClr val="accent1"/>
+          </a:effectRef>
+          <a:fontRef idx="minor">
+            <a:schemeClr val="lt1"/>
+          </a:fontRef>
+        </p:style>
+        <p:txBody>
+          <a:bodyPr rtlCol="0" anchor="ctr"/>
+          <a:lstStyle/>
+          <a:p>
+            <a:pPr algn="ctr"/>
+            <a:r>
+              <a:rPr lang="zh-CN" altLang="en-US" dirty="0" smtClean="0"/>
+              <a:t>文件删除</a:t>
+            </a:r>
+            <a:endParaRPr lang="zh-CN" altLang="en-US" dirty="0"/>
+          </a:p>
+        </p:txBody>
+      </p:sp>
+      <p:sp>
+        <p:nvSpPr>
+          <p:cNvPr id="112" name="矩形 111"/>
+          <p:cNvSpPr/>
+          <p:nvPr/>
+        </p:nvSpPr>
+        <p:spPr>
+          <a:xfrm>
+            <a:off x="4608002" y="3611391"/>
+            <a:ext cx="435836" cy="1589517"/>
+          </a:xfrm>
+          <a:prstGeom prst="rect">
+            <a:avLst/>
+          </a:prstGeom>
+        </p:spPr>
+        <p:style>
+          <a:lnRef idx="2">
+            <a:schemeClr val="accent1">
+              <a:shade val="50000"/>
+            </a:schemeClr>
+          </a:lnRef>
+          <a:fillRef idx="1">
+            <a:schemeClr val="accent1"/>
+          </a:fillRef>
+          <a:effectRef idx="0">
+            <a:schemeClr val="accent1"/>
+          </a:effectRef>
+          <a:fontRef idx="minor">
+            <a:schemeClr val="lt1"/>
+          </a:fontRef>
+        </p:style>
+        <p:txBody>
+          <a:bodyPr rtlCol="0" anchor="ctr"/>
+          <a:lstStyle/>
+          <a:p>
+            <a:pPr algn="ctr"/>
+            <a:r>
+              <a:rPr lang="zh-CN" altLang="en-US" dirty="0" smtClean="0"/>
+              <a:t>文件修改</a:t>
+            </a:r>
+            <a:endParaRPr lang="zh-CN" altLang="en-US" dirty="0"/>
+          </a:p>
+        </p:txBody>
+      </p:sp>
+      <p:sp>
+        <p:nvSpPr>
+          <p:cNvPr id="113" name="矩形 112"/>
+          <p:cNvSpPr/>
+          <p:nvPr/>
+        </p:nvSpPr>
+        <p:spPr>
+          <a:xfrm>
+            <a:off x="5467260" y="3611390"/>
+            <a:ext cx="435836" cy="1589517"/>
+          </a:xfrm>
+          <a:prstGeom prst="rect">
+            <a:avLst/>
+          </a:prstGeom>
+        </p:spPr>
+        <p:style>
+          <a:lnRef idx="2">
+            <a:schemeClr val="accent1">
+              <a:shade val="50000"/>
+            </a:schemeClr>
+          </a:lnRef>
+          <a:fillRef idx="1">
+            <a:schemeClr val="accent1"/>
+          </a:fillRef>
+          <a:effectRef idx="0">
+            <a:schemeClr val="accent1"/>
+          </a:effectRef>
+          <a:fontRef idx="minor">
+            <a:schemeClr val="lt1"/>
+          </a:fontRef>
+        </p:style>
+        <p:txBody>
+          <a:bodyPr rtlCol="0" anchor="ctr"/>
+          <a:lstStyle/>
+          <a:p>
+            <a:pPr algn="ctr"/>
+            <a:r>
+              <a:rPr lang="zh-CN" altLang="en-US" dirty="0" smtClean="0"/>
+              <a:t>新增文件</a:t>
+            </a:r>
+            <a:endParaRPr lang="zh-CN" altLang="en-US" dirty="0"/>
+          </a:p>
+        </p:txBody>
+      </p:sp>
+      <p:sp>
+        <p:nvSpPr>
+          <p:cNvPr id="114" name="矩形 113"/>
+          <p:cNvSpPr/>
+          <p:nvPr/>
+        </p:nvSpPr>
+        <p:spPr>
+          <a:xfrm>
+            <a:off x="6090156" y="3605693"/>
+            <a:ext cx="435836" cy="1589517"/>
+          </a:xfrm>
+          <a:prstGeom prst="rect">
+            <a:avLst/>
+          </a:prstGeom>
+        </p:spPr>
+        <p:style>
+          <a:lnRef idx="2">
+            <a:schemeClr val="accent1">
+              <a:shade val="50000"/>
+            </a:schemeClr>
+          </a:lnRef>
+          <a:fillRef idx="1">
+            <a:schemeClr val="accent1"/>
+          </a:fillRef>
+          <a:effectRef idx="0">
+            <a:schemeClr val="accent1"/>
+          </a:effectRef>
+          <a:fontRef idx="minor">
+            <a:schemeClr val="lt1"/>
+          </a:fontRef>
+        </p:style>
+        <p:txBody>
+          <a:bodyPr rtlCol="0" anchor="ctr"/>
+          <a:lstStyle/>
+          <a:p>
+            <a:pPr algn="ctr"/>
+            <a:r>
+              <a:rPr lang="zh-CN" altLang="en-US" dirty="0" smtClean="0"/>
+              <a:t>修改文件</a:t>
+            </a:r>
+            <a:endParaRPr lang="zh-CN" altLang="en-US" dirty="0"/>
+          </a:p>
+        </p:txBody>
+      </p:sp>
+      <p:sp>
+        <p:nvSpPr>
+          <p:cNvPr id="115" name="矩形 114"/>
+          <p:cNvSpPr/>
+          <p:nvPr/>
+        </p:nvSpPr>
+        <p:spPr>
+          <a:xfrm>
+            <a:off x="7043001" y="3621992"/>
+            <a:ext cx="435836" cy="1589517"/>
+          </a:xfrm>
+          <a:prstGeom prst="rect">
+            <a:avLst/>
+          </a:prstGeom>
+        </p:spPr>
+        <p:style>
+          <a:lnRef idx="2">
+            <a:schemeClr val="accent1">
+              <a:shade val="50000"/>
+            </a:schemeClr>
+          </a:lnRef>
+          <a:fillRef idx="1">
+            <a:schemeClr val="accent1"/>
+          </a:fillRef>
+          <a:effectRef idx="0">
+            <a:schemeClr val="accent1"/>
+          </a:effectRef>
+          <a:fontRef idx="minor">
+            <a:schemeClr val="lt1"/>
+          </a:fontRef>
+        </p:style>
+        <p:txBody>
+          <a:bodyPr rtlCol="0" anchor="ctr"/>
+          <a:lstStyle/>
+          <a:p>
+            <a:pPr algn="ctr"/>
+            <a:r>
+              <a:rPr lang="zh-CN" altLang="en-US" dirty="0" smtClean="0"/>
+              <a:t>删除文件</a:t>
+            </a:r>
+            <a:endParaRPr lang="zh-CN" altLang="en-US" dirty="0"/>
+          </a:p>
+        </p:txBody>
+      </p:sp>
+      <p:sp>
+        <p:nvSpPr>
+          <p:cNvPr id="116" name="矩形 115"/>
+          <p:cNvSpPr/>
+          <p:nvPr/>
+        </p:nvSpPr>
+        <p:spPr>
+          <a:xfrm>
+            <a:off x="8038586" y="3615854"/>
+            <a:ext cx="435836" cy="1589517"/>
+          </a:xfrm>
+          <a:prstGeom prst="rect">
+            <a:avLst/>
+          </a:prstGeom>
+        </p:spPr>
+        <p:style>
+          <a:lnRef idx="2">
+            <a:schemeClr val="accent1">
+              <a:shade val="50000"/>
+            </a:schemeClr>
+          </a:lnRef>
+          <a:fillRef idx="1">
+            <a:schemeClr val="accent1"/>
+          </a:fillRef>
+          <a:effectRef idx="0">
+            <a:schemeClr val="accent1"/>
+          </a:effectRef>
+          <a:fontRef idx="minor">
+            <a:schemeClr val="lt1"/>
+          </a:fontRef>
+        </p:style>
+        <p:txBody>
+          <a:bodyPr rtlCol="0" anchor="ctr"/>
+          <a:lstStyle/>
+          <a:p>
+            <a:pPr algn="ctr"/>
+            <a:r>
+              <a:rPr lang="zh-CN" altLang="en-US" dirty="0" smtClean="0"/>
+              <a:t>更新文件</a:t>
+            </a:r>
+            <a:endParaRPr lang="zh-CN" altLang="en-US" dirty="0"/>
+          </a:p>
+        </p:txBody>
+      </p:sp>
+      <p:sp>
+        <p:nvSpPr>
+          <p:cNvPr id="117" name="矩形 116"/>
+          <p:cNvSpPr/>
+          <p:nvPr/>
+        </p:nvSpPr>
+        <p:spPr>
+          <a:xfrm>
+            <a:off x="8985580" y="3621992"/>
+            <a:ext cx="435836" cy="1589517"/>
+          </a:xfrm>
+          <a:prstGeom prst="rect">
+            <a:avLst/>
+          </a:prstGeom>
+        </p:spPr>
+        <p:style>
+          <a:lnRef idx="2">
+            <a:schemeClr val="accent1">
+              <a:shade val="50000"/>
+            </a:schemeClr>
+          </a:lnRef>
+          <a:fillRef idx="1">
+            <a:schemeClr val="accent1"/>
+          </a:fillRef>
+          <a:effectRef idx="0">
+            <a:schemeClr val="accent1"/>
+          </a:effectRef>
+          <a:fontRef idx="minor">
+            <a:schemeClr val="lt1"/>
+          </a:fontRef>
+        </p:style>
+        <p:txBody>
+          <a:bodyPr rtlCol="0" anchor="ctr"/>
+          <a:lstStyle/>
+          <a:p>
+            <a:pPr algn="ctr"/>
+            <a:r>
+              <a:rPr lang="zh-CN" altLang="en-US" dirty="0" smtClean="0"/>
+              <a:t>读取文件</a:t>
+            </a:r>
+            <a:endParaRPr lang="zh-CN" altLang="en-US" dirty="0"/>
+          </a:p>
+        </p:txBody>
+      </p:sp>
+      <p:sp>
+        <p:nvSpPr>
+          <p:cNvPr id="118" name="矩形 117"/>
+          <p:cNvSpPr/>
+          <p:nvPr/>
+        </p:nvSpPr>
+        <p:spPr>
+          <a:xfrm>
+            <a:off x="9838587" y="3615854"/>
+            <a:ext cx="435836" cy="1589517"/>
+          </a:xfrm>
+          <a:prstGeom prst="rect">
+            <a:avLst/>
+          </a:prstGeom>
+        </p:spPr>
+        <p:style>
+          <a:lnRef idx="2">
+            <a:schemeClr val="accent1">
+              <a:shade val="50000"/>
+            </a:schemeClr>
+          </a:lnRef>
+          <a:fillRef idx="1">
+            <a:schemeClr val="accent1"/>
+          </a:fillRef>
+          <a:effectRef idx="0">
+            <a:schemeClr val="accent1"/>
+          </a:effectRef>
+          <a:fontRef idx="minor">
+            <a:schemeClr val="lt1"/>
+          </a:fontRef>
+        </p:style>
+        <p:txBody>
+          <a:bodyPr rtlCol="0" anchor="ctr"/>
+          <a:lstStyle/>
+          <a:p>
+            <a:pPr algn="ctr"/>
+            <a:r>
+              <a:rPr lang="zh-CN" altLang="en-US" dirty="0" smtClean="0"/>
+              <a:t>读取目录</a:t>
+            </a:r>
+            <a:endParaRPr lang="zh-CN" altLang="en-US" dirty="0"/>
+          </a:p>
+        </p:txBody>
+      </p:sp>
+      <p:cxnSp>
+        <p:nvCxnSpPr>
+          <p:cNvPr id="124" name="肘形连接符 123"/>
+          <p:cNvCxnSpPr/>
+          <p:nvPr/>
+        </p:nvCxnSpPr>
+        <p:spPr>
+          <a:xfrm rot="16200000" flipH="1">
+            <a:off x="3427723" y="3118664"/>
+            <a:ext cx="981750" cy="3703"/>
+          </a:xfrm>
+          <a:prstGeom prst="bentConnector3">
+            <a:avLst>
+              <a:gd name="adj1" fmla="val 52611"/>
+            </a:avLst>
+          </a:prstGeom>
+          <a:ln>
+            <a:tailEnd type="triangle"/>
+          </a:ln>
         </p:spPr>
         <p:style>
           <a:lnRef idx="1">
@@ -3665,21 +4077,24 @@
       </p:cxnSp>
       <p:cxnSp>
         <p:nvCxnSpPr>
-          <p:cNvPr id="15" name="直接连接符 14"/>
+          <p:cNvPr id="127" name="肘形连接符 126"/>
           <p:cNvCxnSpPr>
-            <a:stCxn id="4" idx="3"/>
-            <a:endCxn id="7" idx="2"/>
+            <a:stCxn id="98" idx="2"/>
+            <a:endCxn id="112" idx="0"/>
           </p:cNvCxnSpPr>
           <p:nvPr/>
         </p:nvCxnSpPr>
         <p:spPr>
-          <a:xfrm>
-            <a:off x="3050848" y="2871389"/>
-            <a:ext cx="828942" cy="861645"/>
-          </a:xfrm>
-          <a:prstGeom prst="line">
+          <a:xfrm rot="16200000" flipH="1">
+            <a:off x="3880266" y="2665737"/>
+            <a:ext cx="976054" cy="915254"/>
+          </a:xfrm>
+          <a:prstGeom prst="bentConnector3">
             <a:avLst/>
           </a:prstGeom>
+          <a:ln>
+            <a:tailEnd type="triangle"/>
+          </a:ln>
         </p:spPr>
         <p:style>
           <a:lnRef idx="1">
@@ -3698,93 +4113,24 @@
       </p:cxnSp>
       <p:cxnSp>
         <p:nvCxnSpPr>
-          <p:cNvPr id="17" name="直接连接符 16"/>
+          <p:cNvPr id="133" name="肘形连接符 132"/>
           <p:cNvCxnSpPr>
-            <a:stCxn id="4" idx="3"/>
-            <a:endCxn id="9" idx="2"/>
+            <a:stCxn id="98" idx="2"/>
+            <a:endCxn id="110" idx="0"/>
           </p:cNvCxnSpPr>
           <p:nvPr/>
         </p:nvCxnSpPr>
         <p:spPr>
-          <a:xfrm>
-            <a:off x="3050848" y="2871389"/>
-            <a:ext cx="828942" cy="1851148"/>
-          </a:xfrm>
-          <a:prstGeom prst="line">
+          <a:xfrm rot="5400000">
+            <a:off x="2924848" y="2625571"/>
+            <a:ext cx="976053" cy="995585"/>
+          </a:xfrm>
+          <a:prstGeom prst="bentConnector3">
             <a:avLst/>
           </a:prstGeom>
-        </p:spPr>
-        <p:style>
-          <a:lnRef idx="1">
-            <a:schemeClr val="accent1"/>
-          </a:lnRef>
-          <a:fillRef idx="0">
-            <a:schemeClr val="accent1"/>
-          </a:fillRef>
-          <a:effectRef idx="0">
-            <a:schemeClr val="accent1"/>
-          </a:effectRef>
-          <a:fontRef idx="minor">
-            <a:schemeClr val="tx1"/>
-          </a:fontRef>
-        </p:style>
-      </p:cxnSp>
-      <p:sp>
-        <p:nvSpPr>
-          <p:cNvPr id="19" name="流程图: 联系 18"/>
-          <p:cNvSpPr/>
-          <p:nvPr/>
-        </p:nvSpPr>
-        <p:spPr>
-          <a:xfrm>
-            <a:off x="1222049" y="2472203"/>
-            <a:ext cx="299102" cy="314386"/>
-          </a:xfrm>
-          <a:prstGeom prst="flowChartConnector">
-            <a:avLst/>
-          </a:prstGeom>
-        </p:spPr>
-        <p:style>
-          <a:lnRef idx="2">
-            <a:schemeClr val="accent1">
-              <a:shade val="50000"/>
-            </a:schemeClr>
-          </a:lnRef>
-          <a:fillRef idx="1">
-            <a:schemeClr val="accent1"/>
-          </a:fillRef>
-          <a:effectRef idx="0">
-            <a:schemeClr val="accent1"/>
-          </a:effectRef>
-          <a:fontRef idx="minor">
-            <a:schemeClr val="lt1"/>
-          </a:fontRef>
-        </p:style>
-        <p:txBody>
-          <a:bodyPr rtlCol="0" anchor="ctr"/>
-          <a:lstStyle/>
-          <a:p>
-            <a:pPr algn="ctr"/>
-            <a:endParaRPr lang="zh-CN" altLang="en-US"/>
-          </a:p>
-        </p:txBody>
-      </p:sp>
-      <p:cxnSp>
-        <p:nvCxnSpPr>
-          <p:cNvPr id="21" name="直接连接符 20"/>
-          <p:cNvCxnSpPr>
-            <a:stCxn id="19" idx="4"/>
-          </p:cNvCxnSpPr>
-          <p:nvPr/>
-        </p:nvCxnSpPr>
-        <p:spPr>
-          <a:xfrm flipH="1">
-            <a:off x="1128045" y="2786589"/>
-            <a:ext cx="243555" cy="230076"/>
-          </a:xfrm>
-          <a:prstGeom prst="line">
-            <a:avLst/>
-          </a:prstGeom>
+          <a:ln>
+            <a:tailEnd type="triangle"/>
+          </a:ln>
         </p:spPr>
         <p:style>
           <a:lnRef idx="1">
@@ -3803,20 +4149,21 @@
       </p:cxnSp>
       <p:cxnSp>
         <p:nvCxnSpPr>
-          <p:cNvPr id="23" name="直接连接符 22"/>
-          <p:cNvCxnSpPr>
-            <a:stCxn id="19" idx="4"/>
-          </p:cNvCxnSpPr>
+          <p:cNvPr id="135" name="肘形连接符 134"/>
+          <p:cNvCxnSpPr/>
           <p:nvPr/>
         </p:nvCxnSpPr>
         <p:spPr>
-          <a:xfrm>
-            <a:off x="1371600" y="2786589"/>
-            <a:ext cx="149551" cy="230076"/>
-          </a:xfrm>
-          <a:prstGeom prst="line">
+          <a:xfrm rot="5400000">
+            <a:off x="2441569" y="2136212"/>
+            <a:ext cx="970356" cy="1980000"/>
+          </a:xfrm>
+          <a:prstGeom prst="bentConnector3">
             <a:avLst/>
           </a:prstGeom>
+          <a:ln>
+            <a:tailEnd type="triangle"/>
+          </a:ln>
         </p:spPr>
         <p:style>
           <a:lnRef idx="1">
@@ -3835,18 +4182,23 @@
       </p:cxnSp>
       <p:cxnSp>
         <p:nvCxnSpPr>
-          <p:cNvPr id="25" name="直接连接符 24"/>
-          <p:cNvCxnSpPr/>
+          <p:cNvPr id="137" name="肘形连接符 136"/>
+          <p:cNvCxnSpPr>
+            <a:stCxn id="98" idx="2"/>
+          </p:cNvCxnSpPr>
           <p:nvPr/>
         </p:nvCxnSpPr>
         <p:spPr>
-          <a:xfrm flipH="1">
-            <a:off x="1222049" y="2786589"/>
-            <a:ext cx="149551" cy="637318"/>
-          </a:xfrm>
-          <a:prstGeom prst="line">
+          <a:xfrm rot="16200000" flipH="1">
+            <a:off x="4322640" y="2223363"/>
+            <a:ext cx="976053" cy="1800000"/>
+          </a:xfrm>
+          <a:prstGeom prst="bentConnector3">
             <a:avLst/>
           </a:prstGeom>
+          <a:ln>
+            <a:tailEnd type="triangle"/>
+          </a:ln>
         </p:spPr>
         <p:style>
           <a:lnRef idx="1">
@@ -3865,286 +4217,23 @@
       </p:cxnSp>
       <p:cxnSp>
         <p:nvCxnSpPr>
-          <p:cNvPr id="29" name="直接连接符 28"/>
-          <p:cNvCxnSpPr>
-            <a:stCxn id="19" idx="4"/>
-          </p:cNvCxnSpPr>
+          <p:cNvPr id="138" name="肘形连接符 137"/>
+          <p:cNvCxnSpPr/>
           <p:nvPr/>
         </p:nvCxnSpPr>
         <p:spPr>
-          <a:xfrm>
-            <a:off x="1371600" y="2786589"/>
-            <a:ext cx="147414" cy="637318"/>
-          </a:xfrm>
-          <a:prstGeom prst="line">
-            <a:avLst/>
+          <a:xfrm rot="16200000" flipH="1">
+            <a:off x="7773561" y="3112968"/>
+            <a:ext cx="981750" cy="3703"/>
+          </a:xfrm>
+          <a:prstGeom prst="bentConnector3">
+            <a:avLst>
+              <a:gd name="adj1" fmla="val 52611"/>
+            </a:avLst>
           </a:prstGeom>
-        </p:spPr>
-        <p:style>
-          <a:lnRef idx="1">
-            <a:schemeClr val="accent1"/>
-          </a:lnRef>
-          <a:fillRef idx="0">
-            <a:schemeClr val="accent1"/>
-          </a:fillRef>
-          <a:effectRef idx="0">
-            <a:schemeClr val="accent1"/>
-          </a:effectRef>
-          <a:fontRef idx="minor">
-            <a:schemeClr val="tx1"/>
-          </a:fontRef>
-        </p:style>
-      </p:cxnSp>
-      <p:sp>
-        <p:nvSpPr>
-          <p:cNvPr id="36" name="内容占位符 35"/>
-          <p:cNvSpPr>
-            <a:spLocks noGrp="1"/>
-          </p:cNvSpPr>
-          <p:nvPr>
-            <p:ph idx="1"/>
-          </p:nvPr>
-        </p:nvSpPr>
-        <p:spPr>
-          <a:xfrm>
-            <a:off x="10485689" y="2657744"/>
-            <a:ext cx="1042587" cy="427289"/>
-          </a:xfrm>
-          <a:prstGeom prst="rect">
-            <a:avLst/>
-          </a:prstGeom>
-        </p:spPr>
-        <p:style>
-          <a:lnRef idx="2">
-            <a:schemeClr val="accent4">
-              <a:shade val="50000"/>
-            </a:schemeClr>
-          </a:lnRef>
-          <a:fillRef idx="1">
-            <a:schemeClr val="accent4"/>
-          </a:fillRef>
-          <a:effectRef idx="0">
-            <a:schemeClr val="accent4"/>
-          </a:effectRef>
-          <a:fontRef idx="minor">
-            <a:schemeClr val="lt1"/>
-          </a:fontRef>
-        </p:style>
-        <p:txBody>
-          <a:bodyPr rtlCol="0" anchor="ctr"/>
-          <a:lstStyle/>
-          <a:p>
-            <a:pPr marL="0" indent="0" algn="ctr">
-              <a:buNone/>
-            </a:pPr>
-            <a:r>
-              <a:rPr lang="zh-CN" altLang="en-US" sz="1800" dirty="0">
-                <a:effectLst>
-                  <a:outerShdw blurRad="50800" dist="38100" dir="18900000" algn="bl" rotWithShape="0">
-                    <a:prstClr val="black">
-                      <a:alpha val="40000"/>
-                    </a:prstClr>
-                  </a:outerShdw>
-                </a:effectLst>
-              </a:rPr>
-              <a:t>服务器</a:t>
-            </a:r>
-          </a:p>
-        </p:txBody>
-      </p:sp>
-      <p:sp>
-        <p:nvSpPr>
-          <p:cNvPr id="37" name="椭圆 36"/>
-          <p:cNvSpPr/>
-          <p:nvPr/>
-        </p:nvSpPr>
-        <p:spPr>
-          <a:xfrm>
-            <a:off x="7903685" y="4425008"/>
-            <a:ext cx="1384417" cy="671554"/>
-          </a:xfrm>
-          <a:prstGeom prst="ellipse">
-            <a:avLst/>
-          </a:prstGeom>
-        </p:spPr>
-        <p:style>
-          <a:lnRef idx="2">
-            <a:schemeClr val="accent1">
-              <a:shade val="50000"/>
-            </a:schemeClr>
-          </a:lnRef>
-          <a:fillRef idx="1">
-            <a:schemeClr val="accent1"/>
-          </a:fillRef>
-          <a:effectRef idx="0">
-            <a:schemeClr val="accent1"/>
-          </a:effectRef>
-          <a:fontRef idx="minor">
-            <a:schemeClr val="lt1"/>
-          </a:fontRef>
-        </p:style>
-        <p:txBody>
-          <a:bodyPr rtlCol="0" anchor="ctr"/>
-          <a:lstStyle/>
-          <a:p>
-            <a:pPr algn="ctr"/>
-            <a:r>
-              <a:rPr lang="zh-CN" altLang="en-US" dirty="0" smtClean="0"/>
-              <a:t>文件输出</a:t>
-            </a:r>
-            <a:endParaRPr lang="zh-CN" altLang="en-US" dirty="0"/>
-          </a:p>
-        </p:txBody>
-      </p:sp>
-      <p:sp>
-        <p:nvSpPr>
-          <p:cNvPr id="38" name="椭圆 37"/>
-          <p:cNvSpPr/>
-          <p:nvPr/>
-        </p:nvSpPr>
-        <p:spPr>
-          <a:xfrm>
-            <a:off x="7890618" y="3370607"/>
-            <a:ext cx="1384417" cy="671554"/>
-          </a:xfrm>
-          <a:prstGeom prst="ellipse">
-            <a:avLst/>
-          </a:prstGeom>
-        </p:spPr>
-        <p:style>
-          <a:lnRef idx="2">
-            <a:schemeClr val="accent1">
-              <a:shade val="50000"/>
-            </a:schemeClr>
-          </a:lnRef>
-          <a:fillRef idx="1">
-            <a:schemeClr val="accent1"/>
-          </a:fillRef>
-          <a:effectRef idx="0">
-            <a:schemeClr val="accent1"/>
-          </a:effectRef>
-          <a:fontRef idx="minor">
-            <a:schemeClr val="lt1"/>
-          </a:fontRef>
-        </p:style>
-        <p:txBody>
-          <a:bodyPr rtlCol="0" anchor="ctr"/>
-          <a:lstStyle/>
-          <a:p>
-            <a:pPr algn="ctr"/>
-            <a:r>
-              <a:rPr lang="zh-CN" altLang="en-US" dirty="0" smtClean="0"/>
-              <a:t>文件删除</a:t>
-            </a:r>
-            <a:endParaRPr lang="zh-CN" altLang="en-US" dirty="0"/>
-          </a:p>
-        </p:txBody>
-      </p:sp>
-      <p:sp>
-        <p:nvSpPr>
-          <p:cNvPr id="39" name="椭圆 38"/>
-          <p:cNvSpPr/>
-          <p:nvPr/>
-        </p:nvSpPr>
-        <p:spPr>
-          <a:xfrm>
-            <a:off x="7890618" y="2115007"/>
-            <a:ext cx="1384417" cy="671554"/>
-          </a:xfrm>
-          <a:prstGeom prst="ellipse">
-            <a:avLst/>
-          </a:prstGeom>
-        </p:spPr>
-        <p:style>
-          <a:lnRef idx="2">
-            <a:schemeClr val="accent1">
-              <a:shade val="50000"/>
-            </a:schemeClr>
-          </a:lnRef>
-          <a:fillRef idx="1">
-            <a:schemeClr val="accent1"/>
-          </a:fillRef>
-          <a:effectRef idx="0">
-            <a:schemeClr val="accent1"/>
-          </a:effectRef>
-          <a:fontRef idx="minor">
-            <a:schemeClr val="lt1"/>
-          </a:fontRef>
-        </p:style>
-        <p:txBody>
-          <a:bodyPr rtlCol="0" anchor="ctr"/>
-          <a:lstStyle/>
-          <a:p>
-            <a:pPr algn="ctr"/>
-            <a:r>
-              <a:rPr lang="zh-CN" altLang="en-US" dirty="0" smtClean="0"/>
-              <a:t>文件修改</a:t>
-            </a:r>
-            <a:endParaRPr lang="zh-CN" altLang="en-US" dirty="0"/>
-          </a:p>
-        </p:txBody>
-      </p:sp>
-      <p:sp>
-        <p:nvSpPr>
-          <p:cNvPr id="40" name="椭圆 39"/>
-          <p:cNvSpPr/>
-          <p:nvPr/>
-        </p:nvSpPr>
-        <p:spPr>
-          <a:xfrm>
-            <a:off x="7890619" y="1046151"/>
-            <a:ext cx="1384417" cy="671554"/>
-          </a:xfrm>
-          <a:prstGeom prst="ellipse">
-            <a:avLst/>
-          </a:prstGeom>
-        </p:spPr>
-        <p:style>
-          <a:lnRef idx="2">
-            <a:schemeClr val="accent1">
-              <a:shade val="50000"/>
-            </a:schemeClr>
-          </a:lnRef>
-          <a:fillRef idx="1">
-            <a:schemeClr val="accent1"/>
-          </a:fillRef>
-          <a:effectRef idx="0">
-            <a:schemeClr val="accent1"/>
-          </a:effectRef>
-          <a:fontRef idx="minor">
-            <a:schemeClr val="lt1"/>
-          </a:fontRef>
-        </p:style>
-        <p:txBody>
-          <a:bodyPr rtlCol="0" anchor="ctr"/>
-          <a:lstStyle/>
-          <a:p>
-            <a:pPr algn="ctr"/>
-            <a:r>
-              <a:rPr lang="zh-CN" altLang="en-US" dirty="0" smtClean="0"/>
-              <a:t>文件新增</a:t>
-            </a:r>
-            <a:endParaRPr lang="zh-CN" altLang="en-US" dirty="0"/>
-          </a:p>
-        </p:txBody>
-      </p:sp>
-      <p:cxnSp>
-        <p:nvCxnSpPr>
-          <p:cNvPr id="42" name="直接连接符 41"/>
-          <p:cNvCxnSpPr>
-            <a:stCxn id="40" idx="6"/>
-            <a:endCxn id="36" idx="1"/>
-          </p:cNvCxnSpPr>
-          <p:nvPr/>
-        </p:nvCxnSpPr>
-        <p:spPr>
-          <a:xfrm>
-            <a:off x="9275036" y="1381928"/>
-            <a:ext cx="1210653" cy="1489461"/>
-          </a:xfrm>
-          <a:prstGeom prst="line">
-            <a:avLst/>
-          </a:prstGeom>
+          <a:ln>
+            <a:tailEnd type="triangle"/>
+          </a:ln>
         </p:spPr>
         <p:style>
           <a:lnRef idx="1">
@@ -4163,21 +4252,21 @@
       </p:cxnSp>
       <p:cxnSp>
         <p:nvCxnSpPr>
-          <p:cNvPr id="44" name="直接连接符 43"/>
-          <p:cNvCxnSpPr>
-            <a:stCxn id="39" idx="6"/>
-            <a:endCxn id="36" idx="1"/>
-          </p:cNvCxnSpPr>
+          <p:cNvPr id="139" name="肘形连接符 138"/>
+          <p:cNvCxnSpPr/>
           <p:nvPr/>
         </p:nvCxnSpPr>
         <p:spPr>
-          <a:xfrm>
-            <a:off x="9275035" y="2450784"/>
-            <a:ext cx="1210654" cy="420605"/>
-          </a:xfrm>
-          <a:prstGeom prst="line">
+          <a:xfrm rot="16200000" flipH="1">
+            <a:off x="8226104" y="2660041"/>
+            <a:ext cx="976054" cy="915254"/>
+          </a:xfrm>
+          <a:prstGeom prst="bentConnector3">
             <a:avLst/>
           </a:prstGeom>
+          <a:ln>
+            <a:tailEnd type="triangle"/>
+          </a:ln>
         </p:spPr>
         <p:style>
           <a:lnRef idx="1">
@@ -4196,21 +4285,21 @@
       </p:cxnSp>
       <p:cxnSp>
         <p:nvCxnSpPr>
-          <p:cNvPr id="46" name="直接连接符 45"/>
-          <p:cNvCxnSpPr>
-            <a:stCxn id="38" idx="6"/>
-            <a:endCxn id="36" idx="1"/>
-          </p:cNvCxnSpPr>
+          <p:cNvPr id="140" name="肘形连接符 139"/>
+          <p:cNvCxnSpPr/>
           <p:nvPr/>
         </p:nvCxnSpPr>
         <p:spPr>
-          <a:xfrm flipV="1">
-            <a:off x="9275035" y="2871389"/>
-            <a:ext cx="1210654" cy="834995"/>
-          </a:xfrm>
-          <a:prstGeom prst="line">
+          <a:xfrm rot="5400000">
+            <a:off x="7270686" y="2619875"/>
+            <a:ext cx="976053" cy="995585"/>
+          </a:xfrm>
+          <a:prstGeom prst="bentConnector3">
             <a:avLst/>
           </a:prstGeom>
+          <a:ln>
+            <a:tailEnd type="triangle"/>
+          </a:ln>
         </p:spPr>
         <p:style>
           <a:lnRef idx="1">
@@ -4229,21 +4318,21 @@
       </p:cxnSp>
       <p:cxnSp>
         <p:nvCxnSpPr>
-          <p:cNvPr id="48" name="直接连接符 47"/>
-          <p:cNvCxnSpPr>
-            <a:stCxn id="37" idx="6"/>
-            <a:endCxn id="36" idx="1"/>
-          </p:cNvCxnSpPr>
+          <p:cNvPr id="141" name="肘形连接符 140"/>
+          <p:cNvCxnSpPr/>
           <p:nvPr/>
         </p:nvCxnSpPr>
         <p:spPr>
-          <a:xfrm flipV="1">
-            <a:off x="9288102" y="2871389"/>
-            <a:ext cx="1197587" cy="1889396"/>
-          </a:xfrm>
-          <a:prstGeom prst="line">
+          <a:xfrm rot="5400000">
+            <a:off x="6787407" y="2130516"/>
+            <a:ext cx="970356" cy="1980000"/>
+          </a:xfrm>
+          <a:prstGeom prst="bentConnector3">
             <a:avLst/>
           </a:prstGeom>
+          <a:ln>
+            <a:tailEnd type="triangle"/>
+          </a:ln>
         </p:spPr>
         <p:style>
           <a:lnRef idx="1">
@@ -4260,18 +4349,51 @@
           </a:fontRef>
         </p:style>
       </p:cxnSp>
-      <p:sp>
-        <p:nvSpPr>
-          <p:cNvPr id="55" name="椭圆 54"/>
+      <p:cxnSp>
+        <p:nvCxnSpPr>
+          <p:cNvPr id="142" name="肘形连接符 141"/>
+          <p:cNvCxnSpPr/>
+          <p:nvPr/>
+        </p:nvCxnSpPr>
+        <p:spPr>
+          <a:xfrm rot="16200000" flipH="1">
+            <a:off x="8668478" y="2217667"/>
+            <a:ext cx="976053" cy="1800000"/>
+          </a:xfrm>
+          <a:prstGeom prst="bentConnector3">
+            <a:avLst/>
+          </a:prstGeom>
+          <a:ln>
+            <a:tailEnd type="triangle"/>
+          </a:ln>
+        </p:spPr>
+        <p:style>
+          <a:lnRef idx="1">
+            <a:schemeClr val="accent1"/>
+          </a:lnRef>
+          <a:fillRef idx="0">
+            <a:schemeClr val="accent1"/>
+          </a:fillRef>
+          <a:effectRef idx="0">
+            <a:schemeClr val="accent1"/>
+          </a:effectRef>
+          <a:fontRef idx="minor">
+            <a:schemeClr val="tx1"/>
+          </a:fontRef>
+        </p:style>
+      </p:cxnSp>
+      <p:sp>
+        <p:nvSpPr>
+          <p:cNvPr id="143" name="矩形 142"/>
           <p:cNvSpPr/>
           <p:nvPr/>
         </p:nvSpPr>
         <p:spPr>
           <a:xfrm>
-            <a:off x="7903685" y="5479409"/>
-            <a:ext cx="1384417" cy="671554"/>
-          </a:xfrm>
-          <a:prstGeom prst="ellipse">
+            <a:off x="817073" y="3605694"/>
+            <a:ext cx="435836" cy="1589517"/>
+          </a:xfrm>
+          <a:prstGeom prst="rect">
             <a:avLst/>
           </a:prstGeom>
         </p:spPr>
@@ -4298,7 +4420,7 @@
             <a:pPr algn="ctr"/>
             <a:r>
               <a:rPr lang="zh-CN" altLang="en-US" dirty="0" smtClean="0"/>
-              <a:t>文件目录输出</a:t>
+              <a:t>文件下载</a:t>
             </a:r>
             <a:endParaRPr lang="zh-CN" altLang="en-US" dirty="0"/>
           </a:p>
@@ -4306,21 +4428,23 @@
       </p:sp>
       <p:cxnSp>
         <p:nvCxnSpPr>
-          <p:cNvPr id="57" name="直接连接符 56"/>
+          <p:cNvPr id="145" name="肘形连接符 144"/>
           <p:cNvCxnSpPr>
-            <a:stCxn id="55" idx="6"/>
-            <a:endCxn id="36" idx="1"/>
+            <a:stCxn id="98" idx="2"/>
           </p:cNvCxnSpPr>
           <p:nvPr/>
         </p:nvCxnSpPr>
         <p:spPr>
-          <a:xfrm flipV="1">
-            <a:off x="9288102" y="2871389"/>
-            <a:ext cx="1197587" cy="2943797"/>
-          </a:xfrm>
-          <a:prstGeom prst="line">
+          <a:xfrm rot="5400000">
+            <a:off x="1985488" y="1680515"/>
+            <a:ext cx="970357" cy="2880000"/>
+          </a:xfrm>
+          <a:prstGeom prst="bentConnector3">
             <a:avLst/>
           </a:prstGeom>
+          <a:ln>
+            <a:tailEnd type="triangle"/>
+          </a:ln>
         </p:spPr>
         <p:style>
           <a:lnRef idx="1">
@@ -4508,6 +4632,16 @@
           <a:lstStyle/>
           <a:p>
             <a:r>
+              <a:rPr lang="en-US" altLang="zh-CN" dirty="0" smtClean="0">
+                <a:solidFill>
+                  <a:schemeClr val="tx1">
+                    <a:alpha val="77000"/>
+                  </a:schemeClr>
+                </a:solidFill>
+              </a:rPr>
+              <a:t>	</a:t>
+            </a:r>
+            <a:r>
               <a:rPr lang="zh-CN" altLang="en-US" dirty="0" smtClean="0">
                 <a:solidFill>
                   <a:schemeClr val="tx1">
@@ -4740,23 +4874,7 @@
                   <a:schemeClr val="tx1"/>
                 </a:solidFill>
               </a:rPr>
-              <a:t>Test.txt			</a:t>
-            </a:r>
-            <a:r>
-              <a:rPr lang="en-US" altLang="zh-CN" dirty="0" smtClean="0">
-                <a:solidFill>
-                  <a:schemeClr val="tx1"/>
-                </a:solidFill>
-              </a:rPr>
-              <a:t>1.2KB</a:t>
-            </a:r>
-            <a:r>
-              <a:rPr lang="en-US" altLang="zh-CN" dirty="0" smtClean="0">
-                <a:solidFill>
-                  <a:schemeClr val="tx1"/>
-                </a:solidFill>
-              </a:rPr>
-              <a:t>				</a:t>
+              <a:t>Test.txt			1.2KB				</a:t>
             </a:r>
             <a:r>
               <a:rPr lang="en-US" altLang="zh-CN" dirty="0">
@@ -5714,6 +5832,53 @@
                 <a:schemeClr val="lt1">
                   <a:alpha val="83000"/>
                 </a:schemeClr>
+              </a:solidFill>
+            </a:endParaRPr>
+          </a:p>
+        </p:txBody>
+      </p:sp>
+      <p:sp>
+        <p:nvSpPr>
+          <p:cNvPr id="21" name="半闭框 20"/>
+          <p:cNvSpPr/>
+          <p:nvPr/>
+        </p:nvSpPr>
+        <p:spPr>
+          <a:xfrm rot="-2700000">
+            <a:off x="1010628" y="1349592"/>
+            <a:ext cx="254548" cy="256373"/>
+          </a:xfrm>
+          <a:prstGeom prst="halfFrame">
+            <a:avLst>
+              <a:gd name="adj1" fmla="val 59792"/>
+              <a:gd name="adj2" fmla="val 33333"/>
+            </a:avLst>
+          </a:prstGeom>
+        </p:spPr>
+        <p:style>
+          <a:lnRef idx="2">
+            <a:schemeClr val="accent1">
+              <a:shade val="50000"/>
+            </a:schemeClr>
+          </a:lnRef>
+          <a:fillRef idx="1">
+            <a:schemeClr val="accent1"/>
+          </a:fillRef>
+          <a:effectRef idx="0">
+            <a:schemeClr val="accent1"/>
+          </a:effectRef>
+          <a:fontRef idx="minor">
+            <a:schemeClr val="lt1"/>
+          </a:fontRef>
+        </p:style>
+        <p:txBody>
+          <a:bodyPr rtlCol="0" anchor="ctr"/>
+          <a:lstStyle/>
+          <a:p>
+            <a:pPr algn="ctr"/>
+            <a:endParaRPr lang="zh-CN" altLang="en-US">
+              <a:solidFill>
+                <a:schemeClr val="tx1"/>
               </a:solidFill>
             </a:endParaRPr>
           </a:p>
@@ -5872,11 +6037,7 @@
             </a:r>
             <a:r>
               <a:rPr lang="en-US" altLang="zh-CN" sz="2000" dirty="0" smtClean="0"/>
-              <a:t>&lt;/td&gt; </a:t>
-            </a:r>
-            <a:r>
-              <a:rPr lang="en-US" altLang="zh-CN" sz="2000" dirty="0" smtClean="0"/>
-              <a:t>&lt;td&gt;</a:t>
+              <a:t>&lt;/td&gt; &lt;td&gt;</a:t>
             </a:r>
             <a:r>
               <a:rPr lang="zh-CN" altLang="en-US" sz="2000" dirty="0" smtClean="0"/>
@@ -5892,11 +6053,7 @@
             </a:r>
             <a:r>
               <a:rPr lang="en-US" altLang="zh-CN" sz="2000" dirty="0" smtClean="0"/>
-              <a:t>&lt;/td&gt; </a:t>
-            </a:r>
-            <a:r>
-              <a:rPr lang="en-US" altLang="zh-CN" sz="2000" dirty="0" smtClean="0"/>
-              <a:t>&lt;/</a:t>
+              <a:t>&lt;/td&gt; &lt;/</a:t>
             </a:r>
             <a:r>
               <a:rPr lang="en-US" altLang="zh-CN" sz="2000" dirty="0" err="1" smtClean="0"/>
@@ -5952,11 +6109,7 @@
             </a:r>
             <a:r>
               <a:rPr lang="en-US" altLang="zh-CN" sz="2000" dirty="0" smtClean="0"/>
-              <a:t>&gt;</a:t>
-            </a:r>
-            <a:r>
-              <a:rPr lang="en-US" altLang="zh-CN" sz="2000" dirty="0" smtClean="0"/>
-              <a:t> &lt;</a:t>
+              <a:t>&gt; &lt;</a:t>
             </a:r>
             <a:r>
               <a:rPr lang="en-US" altLang="zh-CN" sz="2000" dirty="0"/>
@@ -5986,7 +6139,7 @@
             </a:r>
             <a:r>
               <a:rPr lang="zh-CN" altLang="en-US" sz="2000" b="1" dirty="0" smtClean="0"/>
-              <a:t>目录列表数据显示</a:t>
+              <a:t>目录列表文件下载</a:t>
             </a:r>
             <a:endParaRPr lang="en-US" altLang="zh-CN" sz="2000" b="1" dirty="0" smtClean="0"/>
           </a:p>
@@ -5995,12 +6148,8 @@
               <a:buNone/>
             </a:pPr>
             <a:r>
-              <a:rPr lang="en-US" altLang="zh-CN" sz="2000" b="1" dirty="0" smtClean="0"/>
-              <a:t>         </a:t>
-            </a:r>
-            <a:r>
               <a:rPr lang="zh-CN" altLang="en-US" sz="2000" dirty="0" smtClean="0"/>
-              <a:t>刚进入页面时，页面显示根目录下文件和文件夹信息，点击文件，向后台传入</a:t>
+              <a:t>        点击文件，向后台传入</a:t>
             </a:r>
             <a:r>
               <a:rPr lang="en-US" altLang="zh-CN" sz="2000" dirty="0" smtClean="0"/>
@@ -6024,7 +6173,7 @@
             </a:r>
             <a:r>
               <a:rPr lang="zh-CN" altLang="en-US" sz="2000" dirty="0" smtClean="0"/>
-              <a:t>信息后根据信息提示，读取文件，并且</a:t>
+              <a:t>信息后根据信息提示，读取文件内容，并且</a:t>
             </a:r>
             <a:r>
               <a:rPr lang="en-US" altLang="zh-CN" sz="2000" dirty="0" smtClean="0"/>
@@ -6032,23 +6181,59 @@
             </a:r>
             <a:r>
               <a:rPr lang="zh-CN" altLang="en-US" sz="2000" dirty="0" smtClean="0"/>
-              <a:t>文件，对</a:t>
-            </a:r>
+              <a:t>文件（下载实现原理不是很清楚，要尝试一下才知道）。</a:t>
+            </a:r>
+            <a:endParaRPr lang="en-US" altLang="zh-CN" sz="2000" dirty="0" smtClean="0"/>
+          </a:p>
+          <a:p>
+            <a:pPr marL="0" indent="0">
+              <a:buNone/>
+            </a:pPr>
+            <a:r>
+              <a:rPr lang="en-US" altLang="zh-CN" sz="2000" b="1" dirty="0" smtClean="0"/>
+              <a:t>3.</a:t>
+            </a:r>
+            <a:r>
+              <a:rPr lang="zh-CN" altLang="en-US" sz="2000" b="1" dirty="0" smtClean="0"/>
+              <a:t>查看下一级目录</a:t>
+            </a:r>
+            <a:endParaRPr lang="en-US" altLang="zh-CN" sz="2000" b="1" dirty="0"/>
+          </a:p>
+          <a:p>
+            <a:pPr marL="0" indent="0">
+              <a:buNone/>
+            </a:pPr>
             <a:r>
               <a:rPr lang="zh-CN" altLang="en-US" sz="2000" dirty="0" smtClean="0"/>
-              <a:t>后台传入的数据</a:t>
+              <a:t>         点击文件夹，</a:t>
+            </a:r>
+            <a:r>
+              <a:rPr lang="zh-CN" altLang="en-US" sz="2000" dirty="0"/>
+              <a:t>向后台传入</a:t>
+            </a:r>
+            <a:r>
+              <a:rPr lang="en-US" altLang="zh-CN" sz="2000" dirty="0"/>
+              <a:t>{</a:t>
+            </a:r>
+            <a:r>
+              <a:rPr lang="en-US" altLang="zh-CN" sz="2000" dirty="0" err="1"/>
+              <a:t>type</a:t>
+            </a:r>
+            <a:r>
+              <a:rPr lang="en-US" altLang="zh-CN" sz="2000" dirty="0" err="1" smtClean="0"/>
+              <a:t>:”watch”,isFile:false,name:”eclipse”,</a:t>
+            </a:r>
+            <a:r>
+              <a:rPr lang="en-US" altLang="zh-CN" sz="2000" dirty="0" err="1"/>
+              <a:t>path:”D</a:t>
+            </a:r>
+            <a:r>
+              <a:rPr lang="en-US" altLang="zh-CN" sz="2000" dirty="0" smtClean="0"/>
+              <a:t>:/”}</a:t>
             </a:r>
             <a:r>
               <a:rPr lang="zh-CN" altLang="en-US" sz="2000" dirty="0" smtClean="0"/>
-              <a:t>进行解析（数据传输可以使用</a:t>
-            </a:r>
-            <a:r>
-              <a:rPr lang="en-US" altLang="zh-CN" sz="2000" dirty="0" err="1" smtClean="0"/>
-              <a:t>json</a:t>
-            </a:r>
-            <a:r>
-              <a:rPr lang="zh-CN" altLang="en-US" sz="2000" dirty="0" smtClean="0"/>
-              <a:t>或者书字符串），将名称，文件大小，修改日期填入对应位置，每行数据可根据文件类型添加相应图标，可根据文件类型不同，对文件名的</a:t>
+              <a:t>，对后台传回的数据进行解析，读取文名称，文件大小，修改日期填入对应位置，每行数据可根据文件类型添加相应图标，可根据文件类型不同，对文件名的</a:t>
             </a:r>
             <a:r>
               <a:rPr lang="en-US" altLang="zh-CN" sz="2000" dirty="0" smtClean="0"/>
@@ -6110,15 +6295,7 @@
             </a:pPr>
             <a:r>
               <a:rPr lang="en-US" altLang="zh-CN" sz="2000" dirty="0" smtClean="0"/>
-              <a:t>{type:”</a:t>
-            </a:r>
-            <a:r>
-              <a:rPr lang="en-US" altLang="zh-CN" sz="2000" dirty="0" smtClean="0"/>
-              <a:t> create</a:t>
-            </a:r>
-            <a:r>
-              <a:rPr lang="en-US" altLang="zh-CN" sz="2000" dirty="0" smtClean="0"/>
-              <a:t>”,isFile:false,name:”</a:t>
+              <a:t>{type:” create”,isFile:false,name:”</a:t>
             </a:r>
             <a:r>
               <a:rPr lang="en-US" altLang="zh-CN" sz="2000" dirty="0" err="1" smtClean="0"/>
@@ -6333,12 +6510,40 @@
             </a:r>
             <a:r>
               <a:rPr lang="en-US" altLang="zh-CN" sz="2000" dirty="0" smtClean="0"/>
-              <a:t>”</a:t>
-            </a:r>
-            <a:r>
-              <a:rPr lang="en-US" altLang="zh-CN" sz="2000" dirty="0" smtClean="0"/>
-              <a:t>}</a:t>
-            </a:r>
+              <a:t>”}</a:t>
+            </a:r>
+          </a:p>
+          <a:p>
+            <a:pPr marL="0" indent="0">
+              <a:buNone/>
+            </a:pPr>
+            <a:r>
+              <a:rPr lang="en-US" altLang="zh-CN" sz="2000" b="1" dirty="0" smtClean="0"/>
+              <a:t>6.</a:t>
+            </a:r>
+            <a:r>
+              <a:rPr lang="zh-CN" altLang="en-US" sz="2000" b="1" dirty="0" smtClean="0"/>
+              <a:t>文件排序</a:t>
+            </a:r>
+            <a:endParaRPr lang="en-US" altLang="zh-CN" sz="2000" b="1" dirty="0" smtClean="0"/>
+          </a:p>
+          <a:p>
+            <a:pPr marL="0" indent="0">
+              <a:buNone/>
+            </a:pPr>
+            <a:r>
+              <a:rPr lang="en-US" altLang="zh-CN" sz="2000" b="1" dirty="0"/>
+              <a:t> </a:t>
+            </a:r>
+            <a:r>
+              <a:rPr lang="en-US" altLang="zh-CN" sz="2000" b="1" dirty="0" smtClean="0"/>
+              <a:t>        </a:t>
+            </a:r>
+            <a:r>
+              <a:rPr lang="zh-CN" altLang="en-US" sz="2000" dirty="0" smtClean="0"/>
+              <a:t>点击列名，根据当前列信息排名，如名称，会根据名称的先后进行排序，默认是按读取到的信息进行排序。</a:t>
+            </a:r>
+            <a:endParaRPr lang="en-US" altLang="zh-CN" sz="2000" dirty="0" smtClean="0"/>
           </a:p>
           <a:p>
             <a:pPr marL="0" indent="0">
@@ -6389,6 +6594,50 @@
             <a:r>
               <a:rPr lang="zh-CN" altLang="en-US" sz="2000" dirty="0" smtClean="0"/>
               <a:t>方法调用。</a:t>
+            </a:r>
+            <a:endParaRPr lang="en-US" altLang="zh-CN" sz="2000" dirty="0" smtClean="0"/>
+          </a:p>
+          <a:p>
+            <a:pPr marL="0" indent="0">
+              <a:buNone/>
+            </a:pPr>
+            <a:r>
+              <a:rPr lang="en-US" altLang="zh-CN" sz="2000" dirty="0" smtClean="0"/>
+              <a:t>2.</a:t>
+            </a:r>
+            <a:r>
+              <a:rPr lang="zh-CN" altLang="en-US" sz="2000" dirty="0" smtClean="0"/>
+              <a:t>设计</a:t>
+            </a:r>
+            <a:r>
+              <a:rPr lang="en-US" altLang="zh-CN" sz="2000" dirty="0" err="1" smtClean="0"/>
+              <a:t>dao</a:t>
+            </a:r>
+            <a:r>
+              <a:rPr lang="zh-CN" altLang="en-US" sz="2000" dirty="0" smtClean="0"/>
+              <a:t>类负责对文件的增删改查等操作。</a:t>
+            </a:r>
+            <a:endParaRPr lang="en-US" altLang="zh-CN" sz="2000" dirty="0" smtClean="0"/>
+          </a:p>
+          <a:p>
+            <a:pPr marL="0" indent="0">
+              <a:buNone/>
+            </a:pPr>
+            <a:r>
+              <a:rPr lang="en-US" altLang="zh-CN" sz="2000" dirty="0" smtClean="0"/>
+              <a:t>3.</a:t>
+            </a:r>
+            <a:r>
+              <a:rPr lang="zh-CN" altLang="en-US" sz="2000" dirty="0" smtClean="0"/>
+              <a:t>设计</a:t>
+            </a:r>
+            <a:r>
+              <a:rPr lang="en-US" altLang="zh-CN" sz="2000" dirty="0" smtClean="0"/>
+              <a:t>service</a:t>
+            </a:r>
+            <a:r>
+              <a:rPr lang="zh-CN" altLang="en-US" sz="2000" smtClean="0"/>
+              <a:t>类实现服务器的搭建，用于接受数据和返回数据。</a:t>
             </a:r>
             <a:endParaRPr lang="en-US" altLang="zh-CN" sz="2000" dirty="0" smtClean="0"/>
           </a:p>

--- a/haungxg.study2/文件管理系统（阶段二习题）分析报告.pptx
+++ b/haungxg.study2/文件管理系统（阶段二习题）分析报告.pptx
@@ -248,7 +248,7 @@
           <a:p>
             <a:fld id="{3AFE8CB4-E3EE-41D3-9C98-BCAE412F1952}" type="datetimeFigureOut">
               <a:rPr lang="zh-CN" altLang="en-US" smtClean="0"/>
-              <a:t>2017/7/1</a:t>
+              <a:t>2017/7/5</a:t>
             </a:fld>
             <a:endParaRPr lang="zh-CN" altLang="en-US"/>
           </a:p>
@@ -418,7 +418,7 @@
           <a:p>
             <a:fld id="{3AFE8CB4-E3EE-41D3-9C98-BCAE412F1952}" type="datetimeFigureOut">
               <a:rPr lang="zh-CN" altLang="en-US" smtClean="0"/>
-              <a:t>2017/7/1</a:t>
+              <a:t>2017/7/5</a:t>
             </a:fld>
             <a:endParaRPr lang="zh-CN" altLang="en-US"/>
           </a:p>
@@ -598,7 +598,7 @@
           <a:p>
             <a:fld id="{3AFE8CB4-E3EE-41D3-9C98-BCAE412F1952}" type="datetimeFigureOut">
               <a:rPr lang="zh-CN" altLang="en-US" smtClean="0"/>
-              <a:t>2017/7/1</a:t>
+              <a:t>2017/7/5</a:t>
             </a:fld>
             <a:endParaRPr lang="zh-CN" altLang="en-US"/>
           </a:p>
@@ -768,7 +768,7 @@
           <a:p>
             <a:fld id="{3AFE8CB4-E3EE-41D3-9C98-BCAE412F1952}" type="datetimeFigureOut">
               <a:rPr lang="zh-CN" altLang="en-US" smtClean="0"/>
-              <a:t>2017/7/1</a:t>
+              <a:t>2017/7/5</a:t>
             </a:fld>
             <a:endParaRPr lang="zh-CN" altLang="en-US"/>
           </a:p>
@@ -1014,7 +1014,7 @@
           <a:p>
             <a:fld id="{3AFE8CB4-E3EE-41D3-9C98-BCAE412F1952}" type="datetimeFigureOut">
               <a:rPr lang="zh-CN" altLang="en-US" smtClean="0"/>
-              <a:t>2017/7/1</a:t>
+              <a:t>2017/7/5</a:t>
             </a:fld>
             <a:endParaRPr lang="zh-CN" altLang="en-US"/>
           </a:p>
@@ -1246,7 +1246,7 @@
           <a:p>
             <a:fld id="{3AFE8CB4-E3EE-41D3-9C98-BCAE412F1952}" type="datetimeFigureOut">
               <a:rPr lang="zh-CN" altLang="en-US" smtClean="0"/>
-              <a:t>2017/7/1</a:t>
+              <a:t>2017/7/5</a:t>
             </a:fld>
             <a:endParaRPr lang="zh-CN" altLang="en-US"/>
           </a:p>
@@ -1613,7 +1613,7 @@
           <a:p>
             <a:fld id="{3AFE8CB4-E3EE-41D3-9C98-BCAE412F1952}" type="datetimeFigureOut">
               <a:rPr lang="zh-CN" altLang="en-US" smtClean="0"/>
-              <a:t>2017/7/1</a:t>
+              <a:t>2017/7/5</a:t>
             </a:fld>
             <a:endParaRPr lang="zh-CN" altLang="en-US"/>
           </a:p>
@@ -1731,7 +1731,7 @@
           <a:p>
             <a:fld id="{3AFE8CB4-E3EE-41D3-9C98-BCAE412F1952}" type="datetimeFigureOut">
               <a:rPr lang="zh-CN" altLang="en-US" smtClean="0"/>
-              <a:t>2017/7/1</a:t>
+              <a:t>2017/7/5</a:t>
             </a:fld>
             <a:endParaRPr lang="zh-CN" altLang="en-US"/>
           </a:p>
@@ -1826,7 +1826,7 @@
           <a:p>
             <a:fld id="{3AFE8CB4-E3EE-41D3-9C98-BCAE412F1952}" type="datetimeFigureOut">
               <a:rPr lang="zh-CN" altLang="en-US" smtClean="0"/>
-              <a:t>2017/7/1</a:t>
+              <a:t>2017/7/5</a:t>
             </a:fld>
             <a:endParaRPr lang="zh-CN" altLang="en-US"/>
           </a:p>
@@ -2103,7 +2103,7 @@
           <a:p>
             <a:fld id="{3AFE8CB4-E3EE-41D3-9C98-BCAE412F1952}" type="datetimeFigureOut">
               <a:rPr lang="zh-CN" altLang="en-US" smtClean="0"/>
-              <a:t>2017/7/1</a:t>
+              <a:t>2017/7/5</a:t>
             </a:fld>
             <a:endParaRPr lang="zh-CN" altLang="en-US"/>
           </a:p>
@@ -2356,7 +2356,7 @@
           <a:p>
             <a:fld id="{3AFE8CB4-E3EE-41D3-9C98-BCAE412F1952}" type="datetimeFigureOut">
               <a:rPr lang="zh-CN" altLang="en-US" smtClean="0"/>
-              <a:t>2017/7/1</a:t>
+              <a:t>2017/7/5</a:t>
             </a:fld>
             <a:endParaRPr lang="zh-CN" altLang="en-US"/>
           </a:p>
@@ -2569,7 +2569,7 @@
           <a:p>
             <a:fld id="{3AFE8CB4-E3EE-41D3-9C98-BCAE412F1952}" type="datetimeFigureOut">
               <a:rPr lang="zh-CN" altLang="en-US" smtClean="0"/>
-              <a:t>2017/7/1</a:t>
+              <a:t>2017/7/5</a:t>
             </a:fld>
             <a:endParaRPr lang="zh-CN" altLang="en-US"/>
           </a:p>
@@ -6157,7 +6157,15 @@
             </a:r>
             <a:r>
               <a:rPr lang="en-US" altLang="zh-CN" sz="2000" dirty="0" err="1" smtClean="0"/>
-              <a:t>type:”download”,isFile:true,name:”Test”,path:”D</a:t>
+              <a:t>type:”</a:t>
+            </a:r>
+            <a:r>
+              <a:rPr lang="en-US" altLang="zh-CN" sz="2000" dirty="0" err="1" smtClean="0"/>
+              <a:t>download,path</a:t>
+            </a:r>
+            <a:r>
+              <a:rPr lang="en-US" altLang="zh-CN" sz="2000" dirty="0" err="1" smtClean="0"/>
+              <a:t>:”D</a:t>
             </a:r>
             <a:r>
               <a:rPr lang="en-US" altLang="zh-CN" sz="2000" dirty="0" smtClean="0"/>
@@ -6221,11 +6229,19 @@
             </a:r>
             <a:r>
               <a:rPr lang="en-US" altLang="zh-CN" sz="2000" dirty="0" err="1" smtClean="0"/>
-              <a:t>:”watch”,isFile:false,name:”eclipse”,</a:t>
+              <a:t>:”watch</a:t>
+            </a:r>
+            <a:r>
+              <a:rPr lang="en-US" altLang="zh-CN" sz="2000" dirty="0" smtClean="0"/>
+              <a:t>”, </a:t>
+            </a:r>
+            <a:r>
+              <a:rPr lang="en-US" altLang="zh-CN" sz="2000" dirty="0" err="1" smtClean="0"/>
+              <a:t>path</a:t>
             </a:r>
             <a:r>
               <a:rPr lang="en-US" altLang="zh-CN" sz="2000" dirty="0" err="1"/>
-              <a:t>path:”D</a:t>
+              <a:t>:”D</a:t>
             </a:r>
             <a:r>
               <a:rPr lang="en-US" altLang="zh-CN" sz="2000" dirty="0" smtClean="0"/>
@@ -6295,19 +6311,23 @@
             </a:pPr>
             <a:r>
               <a:rPr lang="en-US" altLang="zh-CN" sz="2000" dirty="0" smtClean="0"/>
-              <a:t>{type:” create”,isFile:false,name:”</a:t>
+              <a:t>{type:” </a:t>
+            </a:r>
+            <a:r>
+              <a:rPr lang="en-US" altLang="zh-CN" sz="2000" smtClean="0"/>
+              <a:t>create</a:t>
+            </a:r>
+            <a:r>
+              <a:rPr lang="en-US" altLang="zh-CN" sz="2000" smtClean="0"/>
+              <a:t>”, </a:t>
             </a:r>
             <a:r>
               <a:rPr lang="en-US" altLang="zh-CN" sz="2000" dirty="0" err="1" smtClean="0"/>
-              <a:t>HelloWorld</a:t>
-            </a:r>
-            <a:r>
-              <a:rPr lang="en-US" altLang="zh-CN" sz="2000" dirty="0" smtClean="0"/>
-              <a:t>”,</a:t>
+              <a:t>path</a:t>
             </a:r>
             <a:r>
               <a:rPr lang="en-US" altLang="zh-CN" sz="2000" dirty="0" err="1" smtClean="0"/>
-              <a:t>path:”D</a:t>
+              <a:t>:”D</a:t>
             </a:r>
             <a:r>
               <a:rPr lang="en-US" altLang="zh-CN" sz="2000" dirty="0" smtClean="0"/>
